--- a/Лекция 13 05_05_2021.pptx
+++ b/Лекция 13 05_05_2021.pptx
@@ -5,7 +5,7 @@
     <p:sldMasterId id="2147483648" r:id="rId1"/>
   </p:sldMasterIdLst>
   <p:notesMasterIdLst>
-    <p:notesMasterId r:id="rId47"/>
+    <p:notesMasterId r:id="rId53"/>
   </p:notesMasterIdLst>
   <p:sldIdLst>
     <p:sldId id="256" r:id="rId2"/>
@@ -53,6 +53,12 @@
     <p:sldId id="259" r:id="rId44"/>
     <p:sldId id="260" r:id="rId45"/>
     <p:sldId id="347" r:id="rId46"/>
+    <p:sldId id="398" r:id="rId47"/>
+    <p:sldId id="399" r:id="rId48"/>
+    <p:sldId id="400" r:id="rId49"/>
+    <p:sldId id="401" r:id="rId50"/>
+    <p:sldId id="402" r:id="rId51"/>
+    <p:sldId id="403" r:id="rId52"/>
   </p:sldIdLst>
   <p:sldSz cx="12192000" cy="6858000"/>
   <p:notesSz cx="6858000" cy="9144000"/>
@@ -253,7 +259,7 @@
           <a:p>
             <a:fld id="{44DBC884-B382-4302-8488-D4E467EB670D}" type="datetimeFigureOut">
               <a:rPr lang="ru-RU" smtClean="0"/>
-              <a:t>11.01.2021</a:t>
+              <a:t>02.03.2021</a:t>
             </a:fld>
             <a:endParaRPr lang="ru-RU" dirty="0"/>
           </a:p>
@@ -652,7 +658,7 @@
           <a:p>
             <a:fld id="{9F4DF3D0-C105-404D-A43B-7CBA1B97B744}" type="datetimeFigureOut">
               <a:rPr lang="ru-RU" smtClean="0"/>
-              <a:t>11.01.2021</a:t>
+              <a:t>02.03.2021</a:t>
             </a:fld>
             <a:endParaRPr lang="ru-RU" dirty="0"/>
           </a:p>
@@ -822,7 +828,7 @@
           <a:p>
             <a:fld id="{9F4DF3D0-C105-404D-A43B-7CBA1B97B744}" type="datetimeFigureOut">
               <a:rPr lang="ru-RU" smtClean="0"/>
-              <a:t>11.01.2021</a:t>
+              <a:t>02.03.2021</a:t>
             </a:fld>
             <a:endParaRPr lang="ru-RU" dirty="0"/>
           </a:p>
@@ -1002,7 +1008,7 @@
           <a:p>
             <a:fld id="{9F4DF3D0-C105-404D-A43B-7CBA1B97B744}" type="datetimeFigureOut">
               <a:rPr lang="ru-RU" smtClean="0"/>
-              <a:t>11.01.2021</a:t>
+              <a:t>02.03.2021</a:t>
             </a:fld>
             <a:endParaRPr lang="ru-RU" dirty="0"/>
           </a:p>
@@ -1172,7 +1178,7 @@
           <a:p>
             <a:fld id="{9F4DF3D0-C105-404D-A43B-7CBA1B97B744}" type="datetimeFigureOut">
               <a:rPr lang="ru-RU" smtClean="0"/>
-              <a:t>11.01.2021</a:t>
+              <a:t>02.03.2021</a:t>
             </a:fld>
             <a:endParaRPr lang="ru-RU" dirty="0"/>
           </a:p>
@@ -1418,7 +1424,7 @@
           <a:p>
             <a:fld id="{9F4DF3D0-C105-404D-A43B-7CBA1B97B744}" type="datetimeFigureOut">
               <a:rPr lang="ru-RU" smtClean="0"/>
-              <a:t>11.01.2021</a:t>
+              <a:t>02.03.2021</a:t>
             </a:fld>
             <a:endParaRPr lang="ru-RU" dirty="0"/>
           </a:p>
@@ -1650,7 +1656,7 @@
           <a:p>
             <a:fld id="{9F4DF3D0-C105-404D-A43B-7CBA1B97B744}" type="datetimeFigureOut">
               <a:rPr lang="ru-RU" smtClean="0"/>
-              <a:t>11.01.2021</a:t>
+              <a:t>02.03.2021</a:t>
             </a:fld>
             <a:endParaRPr lang="ru-RU" dirty="0"/>
           </a:p>
@@ -2017,7 +2023,7 @@
           <a:p>
             <a:fld id="{9F4DF3D0-C105-404D-A43B-7CBA1B97B744}" type="datetimeFigureOut">
               <a:rPr lang="ru-RU" smtClean="0"/>
-              <a:t>11.01.2021</a:t>
+              <a:t>02.03.2021</a:t>
             </a:fld>
             <a:endParaRPr lang="ru-RU" dirty="0"/>
           </a:p>
@@ -2135,7 +2141,7 @@
           <a:p>
             <a:fld id="{9F4DF3D0-C105-404D-A43B-7CBA1B97B744}" type="datetimeFigureOut">
               <a:rPr lang="ru-RU" smtClean="0"/>
-              <a:t>11.01.2021</a:t>
+              <a:t>02.03.2021</a:t>
             </a:fld>
             <a:endParaRPr lang="ru-RU" dirty="0"/>
           </a:p>
@@ -2230,7 +2236,7 @@
           <a:p>
             <a:fld id="{9F4DF3D0-C105-404D-A43B-7CBA1B97B744}" type="datetimeFigureOut">
               <a:rPr lang="ru-RU" smtClean="0"/>
-              <a:t>11.01.2021</a:t>
+              <a:t>02.03.2021</a:t>
             </a:fld>
             <a:endParaRPr lang="ru-RU" dirty="0"/>
           </a:p>
@@ -2507,7 +2513,7 @@
           <a:p>
             <a:fld id="{9F4DF3D0-C105-404D-A43B-7CBA1B97B744}" type="datetimeFigureOut">
               <a:rPr lang="ru-RU" smtClean="0"/>
-              <a:t>11.01.2021</a:t>
+              <a:t>02.03.2021</a:t>
             </a:fld>
             <a:endParaRPr lang="ru-RU" dirty="0"/>
           </a:p>
@@ -2760,7 +2766,7 @@
           <a:p>
             <a:fld id="{9F4DF3D0-C105-404D-A43B-7CBA1B97B744}" type="datetimeFigureOut">
               <a:rPr lang="ru-RU" smtClean="0"/>
-              <a:t>11.01.2021</a:t>
+              <a:t>02.03.2021</a:t>
             </a:fld>
             <a:endParaRPr lang="ru-RU" dirty="0"/>
           </a:p>
@@ -2973,7 +2979,7 @@
           <a:p>
             <a:fld id="{9F4DF3D0-C105-404D-A43B-7CBA1B97B744}" type="datetimeFigureOut">
               <a:rPr lang="ru-RU" smtClean="0"/>
-              <a:t>11.01.2021</a:t>
+              <a:t>02.03.2021</a:t>
             </a:fld>
             <a:endParaRPr lang="ru-RU" dirty="0"/>
           </a:p>
@@ -27401,6 +27407,45 @@
             <a:pPr marL="0" lvl="0" indent="0">
               <a:buNone/>
             </a:pPr>
+            <a:r>
+              <a:rPr lang="ru-RU" dirty="0"/>
+              <a:t>Что не относится к поиску объектов на изображении? </a:t>
+            </a:r>
+            <a:endParaRPr lang="en-US" dirty="0" smtClean="0"/>
+          </a:p>
+          <a:p>
+            <a:pPr marL="0" lvl="0" indent="0">
+              <a:buNone/>
+            </a:pPr>
+            <a:endParaRPr lang="ru-RU" dirty="0"/>
+          </a:p>
+          <a:p>
+            <a:r>
+              <a:rPr lang="ru-RU" dirty="0"/>
+              <a:t>Детектирование объектов.</a:t>
+            </a:r>
+          </a:p>
+          <a:p>
+            <a:r>
+              <a:rPr lang="ru-RU" dirty="0"/>
+              <a:t>Генерация изображений.</a:t>
+            </a:r>
+          </a:p>
+          <a:p>
+            <a:r>
+              <a:rPr lang="ru-RU" dirty="0"/>
+              <a:t>Классификация изображений.</a:t>
+            </a:r>
+          </a:p>
+          <a:p>
+            <a:r>
+              <a:rPr lang="ru-RU" dirty="0"/>
+              <a:t>Сегментация изображений</a:t>
+            </a:r>
+            <a:r>
+              <a:rPr lang="ru-RU" dirty="0" smtClean="0"/>
+              <a:t>.</a:t>
+            </a:r>
             <a:endParaRPr lang="ru-RU" dirty="0"/>
           </a:p>
         </p:txBody>
@@ -27409,6 +27454,518 @@
     <p:extLst>
       <p:ext uri="{BB962C8B-B14F-4D97-AF65-F5344CB8AC3E}">
         <p14:creationId xmlns:p14="http://schemas.microsoft.com/office/powerpoint/2010/main" val="63509945"/>
+      </p:ext>
+    </p:extLst>
+  </p:cSld>
+  <p:clrMapOvr>
+    <a:masterClrMapping/>
+  </p:clrMapOvr>
+  <p:timing>
+    <p:tnLst>
+      <p:par>
+        <p:cTn id="1" dur="indefinite" restart="never" nodeType="tmRoot"/>
+      </p:par>
+    </p:tnLst>
+  </p:timing>
+</p:sld>
+</file>
+
+<file path=ppt/slides/slide46.xml><?xml version="1.0" encoding="utf-8"?>
+<p:sld xmlns:a="http://schemas.openxmlformats.org/drawingml/2006/main" xmlns:r="http://schemas.openxmlformats.org/officeDocument/2006/relationships" xmlns:p="http://schemas.openxmlformats.org/presentationml/2006/main">
+  <p:cSld>
+    <p:spTree>
+      <p:nvGrpSpPr>
+        <p:cNvPr id="1" name=""/>
+        <p:cNvGrpSpPr/>
+        <p:nvPr/>
+      </p:nvGrpSpPr>
+      <p:grpSpPr>
+        <a:xfrm>
+          <a:off x="0" y="0"/>
+          <a:ext cx="0" cy="0"/>
+          <a:chOff x="0" y="0"/>
+          <a:chExt cx="0" cy="0"/>
+        </a:xfrm>
+      </p:grpSpPr>
+      <p:sp>
+        <p:nvSpPr>
+          <p:cNvPr id="2" name="Заголовок 1"/>
+          <p:cNvSpPr>
+            <a:spLocks noGrp="1"/>
+          </p:cNvSpPr>
+          <p:nvPr>
+            <p:ph type="title"/>
+          </p:nvPr>
+        </p:nvSpPr>
+        <p:spPr/>
+        <p:txBody>
+          <a:bodyPr/>
+          <a:lstStyle/>
+          <a:p>
+            <a:r>
+              <a:rPr lang="ru-RU" dirty="0" smtClean="0"/>
+              <a:t>Контрольные вопросы</a:t>
+            </a:r>
+            <a:endParaRPr lang="ru-RU" dirty="0"/>
+          </a:p>
+        </p:txBody>
+      </p:sp>
+      <p:sp>
+        <p:nvSpPr>
+          <p:cNvPr id="3" name="Объект 2"/>
+          <p:cNvSpPr>
+            <a:spLocks noGrp="1"/>
+          </p:cNvSpPr>
+          <p:nvPr>
+            <p:ph idx="1"/>
+          </p:nvPr>
+        </p:nvSpPr>
+        <p:spPr/>
+        <p:txBody>
+          <a:bodyPr>
+            <a:normAutofit/>
+          </a:bodyPr>
+          <a:lstStyle/>
+          <a:p>
+            <a:pPr marL="0" lvl="0" indent="0">
+              <a:buNone/>
+            </a:pPr>
+            <a:r>
+              <a:rPr lang="ru-RU" dirty="0"/>
+              <a:t>Как называется построение на изображении прямоугольника, полностью содержащего объект</a:t>
+            </a:r>
+            <a:r>
+              <a:rPr lang="ru-RU" dirty="0" smtClean="0"/>
+              <a:t>?</a:t>
+            </a:r>
+            <a:endParaRPr lang="en-US" dirty="0" smtClean="0"/>
+          </a:p>
+          <a:p>
+            <a:pPr marL="0" lvl="0" indent="0">
+              <a:buNone/>
+            </a:pPr>
+            <a:endParaRPr lang="ru-RU" dirty="0"/>
+          </a:p>
+          <a:p>
+            <a:r>
+              <a:rPr lang="ru-RU" dirty="0"/>
+              <a:t>Классификация изображения.</a:t>
+            </a:r>
+          </a:p>
+          <a:p>
+            <a:r>
+              <a:rPr lang="ru-RU" dirty="0"/>
+              <a:t>Семантическая сегментация.</a:t>
+            </a:r>
+          </a:p>
+          <a:p>
+            <a:r>
+              <a:rPr lang="ru-RU" dirty="0"/>
+              <a:t>Сегментация экземпляров.</a:t>
+            </a:r>
+          </a:p>
+          <a:p>
+            <a:r>
+              <a:rPr lang="ru-RU" dirty="0"/>
+              <a:t>Детектирование объекта</a:t>
+            </a:r>
+            <a:r>
+              <a:rPr lang="ru-RU" dirty="0" smtClean="0"/>
+              <a:t>.</a:t>
+            </a:r>
+            <a:endParaRPr lang="ru-RU" dirty="0"/>
+          </a:p>
+        </p:txBody>
+      </p:sp>
+    </p:spTree>
+    <p:extLst>
+      <p:ext uri="{BB962C8B-B14F-4D97-AF65-F5344CB8AC3E}">
+        <p14:creationId xmlns:p14="http://schemas.microsoft.com/office/powerpoint/2010/main" val="835774496"/>
+      </p:ext>
+    </p:extLst>
+  </p:cSld>
+  <p:clrMapOvr>
+    <a:masterClrMapping/>
+  </p:clrMapOvr>
+  <p:timing>
+    <p:tnLst>
+      <p:par>
+        <p:cTn id="1" dur="indefinite" restart="never" nodeType="tmRoot"/>
+      </p:par>
+    </p:tnLst>
+  </p:timing>
+</p:sld>
+</file>
+
+<file path=ppt/slides/slide47.xml><?xml version="1.0" encoding="utf-8"?>
+<p:sld xmlns:a="http://schemas.openxmlformats.org/drawingml/2006/main" xmlns:r="http://schemas.openxmlformats.org/officeDocument/2006/relationships" xmlns:p="http://schemas.openxmlformats.org/presentationml/2006/main">
+  <p:cSld>
+    <p:spTree>
+      <p:nvGrpSpPr>
+        <p:cNvPr id="1" name=""/>
+        <p:cNvGrpSpPr/>
+        <p:nvPr/>
+      </p:nvGrpSpPr>
+      <p:grpSpPr>
+        <a:xfrm>
+          <a:off x="0" y="0"/>
+          <a:ext cx="0" cy="0"/>
+          <a:chOff x="0" y="0"/>
+          <a:chExt cx="0" cy="0"/>
+        </a:xfrm>
+      </p:grpSpPr>
+      <p:sp>
+        <p:nvSpPr>
+          <p:cNvPr id="2" name="Заголовок 1"/>
+          <p:cNvSpPr>
+            <a:spLocks noGrp="1"/>
+          </p:cNvSpPr>
+          <p:nvPr>
+            <p:ph type="title"/>
+          </p:nvPr>
+        </p:nvSpPr>
+        <p:spPr/>
+        <p:txBody>
+          <a:bodyPr/>
+          <a:lstStyle/>
+          <a:p>
+            <a:r>
+              <a:rPr lang="ru-RU" dirty="0" smtClean="0"/>
+              <a:t>Контрольные вопросы</a:t>
+            </a:r>
+            <a:endParaRPr lang="ru-RU" dirty="0"/>
+          </a:p>
+        </p:txBody>
+      </p:sp>
+      <p:sp>
+        <p:nvSpPr>
+          <p:cNvPr id="3" name="Объект 2"/>
+          <p:cNvSpPr>
+            <a:spLocks noGrp="1"/>
+          </p:cNvSpPr>
+          <p:nvPr>
+            <p:ph idx="1"/>
+          </p:nvPr>
+        </p:nvSpPr>
+        <p:spPr/>
+        <p:txBody>
+          <a:bodyPr>
+            <a:normAutofit/>
+          </a:bodyPr>
+          <a:lstStyle/>
+          <a:p>
+            <a:pPr marL="0" lvl="0" indent="0">
+              <a:buNone/>
+            </a:pPr>
+            <a:r>
+              <a:rPr lang="ru-RU" dirty="0"/>
+              <a:t>Что происходит при семантической сегментации изображения с двумя объектами одного класса</a:t>
+            </a:r>
+            <a:r>
+              <a:rPr lang="ru-RU" dirty="0" smtClean="0"/>
+              <a:t>?</a:t>
+            </a:r>
+            <a:endParaRPr lang="en-US" dirty="0" smtClean="0"/>
+          </a:p>
+          <a:p>
+            <a:pPr marL="0" lvl="0" indent="0">
+              <a:buNone/>
+            </a:pPr>
+            <a:endParaRPr lang="ru-RU" dirty="0"/>
+          </a:p>
+          <a:p>
+            <a:r>
+              <a:rPr lang="ru-RU" dirty="0"/>
+              <a:t>Выделяется область, содержащая один из объектов.</a:t>
+            </a:r>
+          </a:p>
+          <a:p>
+            <a:r>
+              <a:rPr lang="ru-RU" dirty="0"/>
+              <a:t>Выделяется область, содержащая оба объекта.</a:t>
+            </a:r>
+          </a:p>
+          <a:p>
+            <a:r>
+              <a:rPr lang="ru-RU" dirty="0"/>
+              <a:t>Выделяется область, содержащая пересечение объектов.</a:t>
+            </a:r>
+          </a:p>
+          <a:p>
+            <a:r>
+              <a:rPr lang="ru-RU" dirty="0"/>
+              <a:t>Семантическая сегментация не применима в таком случае</a:t>
+            </a:r>
+            <a:r>
+              <a:rPr lang="ru-RU" dirty="0" smtClean="0"/>
+              <a:t>.</a:t>
+            </a:r>
+            <a:endParaRPr lang="ru-RU" dirty="0"/>
+          </a:p>
+        </p:txBody>
+      </p:sp>
+    </p:spTree>
+    <p:extLst>
+      <p:ext uri="{BB962C8B-B14F-4D97-AF65-F5344CB8AC3E}">
+        <p14:creationId xmlns:p14="http://schemas.microsoft.com/office/powerpoint/2010/main" val="3204704761"/>
+      </p:ext>
+    </p:extLst>
+  </p:cSld>
+  <p:clrMapOvr>
+    <a:masterClrMapping/>
+  </p:clrMapOvr>
+  <p:timing>
+    <p:tnLst>
+      <p:par>
+        <p:cTn id="1" dur="indefinite" restart="never" nodeType="tmRoot"/>
+      </p:par>
+    </p:tnLst>
+  </p:timing>
+</p:sld>
+</file>
+
+<file path=ppt/slides/slide48.xml><?xml version="1.0" encoding="utf-8"?>
+<p:sld xmlns:a="http://schemas.openxmlformats.org/drawingml/2006/main" xmlns:r="http://schemas.openxmlformats.org/officeDocument/2006/relationships" xmlns:p="http://schemas.openxmlformats.org/presentationml/2006/main">
+  <p:cSld>
+    <p:spTree>
+      <p:nvGrpSpPr>
+        <p:cNvPr id="1" name=""/>
+        <p:cNvGrpSpPr/>
+        <p:nvPr/>
+      </p:nvGrpSpPr>
+      <p:grpSpPr>
+        <a:xfrm>
+          <a:off x="0" y="0"/>
+          <a:ext cx="0" cy="0"/>
+          <a:chOff x="0" y="0"/>
+          <a:chExt cx="0" cy="0"/>
+        </a:xfrm>
+      </p:grpSpPr>
+      <p:sp>
+        <p:nvSpPr>
+          <p:cNvPr id="2" name="Заголовок 1"/>
+          <p:cNvSpPr>
+            <a:spLocks noGrp="1"/>
+          </p:cNvSpPr>
+          <p:nvPr>
+            <p:ph type="title"/>
+          </p:nvPr>
+        </p:nvSpPr>
+        <p:spPr/>
+        <p:txBody>
+          <a:bodyPr/>
+          <a:lstStyle/>
+          <a:p>
+            <a:r>
+              <a:rPr lang="ru-RU" dirty="0" smtClean="0"/>
+              <a:t>Контрольные вопросы</a:t>
+            </a:r>
+            <a:endParaRPr lang="ru-RU" dirty="0"/>
+          </a:p>
+        </p:txBody>
+      </p:sp>
+      <p:sp>
+        <p:nvSpPr>
+          <p:cNvPr id="3" name="Объект 2"/>
+          <p:cNvSpPr>
+            <a:spLocks noGrp="1"/>
+          </p:cNvSpPr>
+          <p:nvPr>
+            <p:ph idx="1"/>
+          </p:nvPr>
+        </p:nvSpPr>
+        <p:spPr/>
+        <p:txBody>
+          <a:bodyPr>
+            <a:normAutofit/>
+          </a:bodyPr>
+          <a:lstStyle/>
+          <a:p>
+            <a:pPr marL="0" lvl="0" indent="0">
+              <a:buNone/>
+            </a:pPr>
+            <a:r>
+              <a:rPr lang="ru-RU" dirty="0"/>
+              <a:t>К какому типу задач относится распознавание </a:t>
+            </a:r>
+            <a:r>
+              <a:rPr lang="en-US" dirty="0" err="1"/>
+              <a:t>CAPTCHA</a:t>
+            </a:r>
+            <a:r>
+              <a:rPr lang="ru-RU" dirty="0" smtClean="0"/>
+              <a:t>?</a:t>
+            </a:r>
+            <a:endParaRPr lang="en-US" dirty="0" smtClean="0"/>
+          </a:p>
+          <a:p>
+            <a:pPr marL="0" lvl="0" indent="0">
+              <a:buNone/>
+            </a:pPr>
+            <a:endParaRPr lang="ru-RU" dirty="0"/>
+          </a:p>
+          <a:p>
+            <a:r>
+              <a:rPr lang="ru-RU" dirty="0"/>
+              <a:t>Отслеживание движущихся объектов.</a:t>
+            </a:r>
+          </a:p>
+          <a:p>
+            <a:r>
+              <a:rPr lang="ru-RU" dirty="0"/>
+              <a:t>Распознавание лиц.</a:t>
+            </a:r>
+          </a:p>
+          <a:p>
+            <a:r>
+              <a:rPr lang="ru-RU" dirty="0"/>
+              <a:t>Распознавание символов или текста.</a:t>
+            </a:r>
+          </a:p>
+          <a:p>
+            <a:r>
+              <a:rPr lang="ru-RU" dirty="0"/>
+              <a:t>Сегментация экземпляров</a:t>
+            </a:r>
+            <a:r>
+              <a:rPr lang="ru-RU" dirty="0" smtClean="0"/>
+              <a:t>.</a:t>
+            </a:r>
+            <a:endParaRPr lang="ru-RU" dirty="0"/>
+          </a:p>
+        </p:txBody>
+      </p:sp>
+    </p:spTree>
+    <p:extLst>
+      <p:ext uri="{BB962C8B-B14F-4D97-AF65-F5344CB8AC3E}">
+        <p14:creationId xmlns:p14="http://schemas.microsoft.com/office/powerpoint/2010/main" val="3517190249"/>
+      </p:ext>
+    </p:extLst>
+  </p:cSld>
+  <p:clrMapOvr>
+    <a:masterClrMapping/>
+  </p:clrMapOvr>
+  <p:timing>
+    <p:tnLst>
+      <p:par>
+        <p:cTn id="1" dur="indefinite" restart="never" nodeType="tmRoot"/>
+      </p:par>
+    </p:tnLst>
+  </p:timing>
+</p:sld>
+</file>
+
+<file path=ppt/slides/slide49.xml><?xml version="1.0" encoding="utf-8"?>
+<p:sld xmlns:a="http://schemas.openxmlformats.org/drawingml/2006/main" xmlns:r="http://schemas.openxmlformats.org/officeDocument/2006/relationships" xmlns:p="http://schemas.openxmlformats.org/presentationml/2006/main">
+  <p:cSld>
+    <p:spTree>
+      <p:nvGrpSpPr>
+        <p:cNvPr id="1" name=""/>
+        <p:cNvGrpSpPr/>
+        <p:nvPr/>
+      </p:nvGrpSpPr>
+      <p:grpSpPr>
+        <a:xfrm>
+          <a:off x="0" y="0"/>
+          <a:ext cx="0" cy="0"/>
+          <a:chOff x="0" y="0"/>
+          <a:chExt cx="0" cy="0"/>
+        </a:xfrm>
+      </p:grpSpPr>
+      <p:sp>
+        <p:nvSpPr>
+          <p:cNvPr id="2" name="Заголовок 1"/>
+          <p:cNvSpPr>
+            <a:spLocks noGrp="1"/>
+          </p:cNvSpPr>
+          <p:nvPr>
+            <p:ph type="title"/>
+          </p:nvPr>
+        </p:nvSpPr>
+        <p:spPr/>
+        <p:txBody>
+          <a:bodyPr/>
+          <a:lstStyle/>
+          <a:p>
+            <a:r>
+              <a:rPr lang="ru-RU" dirty="0" smtClean="0"/>
+              <a:t>Контрольные вопросы</a:t>
+            </a:r>
+            <a:endParaRPr lang="ru-RU" dirty="0"/>
+          </a:p>
+        </p:txBody>
+      </p:sp>
+      <p:sp>
+        <p:nvSpPr>
+          <p:cNvPr id="3" name="Объект 2"/>
+          <p:cNvSpPr>
+            <a:spLocks noGrp="1"/>
+          </p:cNvSpPr>
+          <p:nvPr>
+            <p:ph idx="1"/>
+          </p:nvPr>
+        </p:nvSpPr>
+        <p:spPr/>
+        <p:txBody>
+          <a:bodyPr>
+            <a:normAutofit/>
+          </a:bodyPr>
+          <a:lstStyle/>
+          <a:p>
+            <a:pPr marL="0" lvl="0" indent="0">
+              <a:buNone/>
+            </a:pPr>
+            <a:r>
+              <a:rPr lang="ru-RU" dirty="0"/>
+              <a:t>Что не относится к задаче генерации изображений</a:t>
+            </a:r>
+            <a:r>
+              <a:rPr lang="ru-RU" dirty="0" smtClean="0"/>
+              <a:t>?</a:t>
+            </a:r>
+            <a:endParaRPr lang="en-US" dirty="0" smtClean="0"/>
+          </a:p>
+          <a:p>
+            <a:pPr marL="0" lvl="0" indent="0">
+              <a:buNone/>
+            </a:pPr>
+            <a:endParaRPr lang="ru-RU" dirty="0"/>
+          </a:p>
+          <a:p>
+            <a:r>
+              <a:rPr lang="ru-RU" dirty="0"/>
+              <a:t>Удаление шума с изображения.</a:t>
+            </a:r>
+          </a:p>
+          <a:p>
+            <a:r>
+              <a:rPr lang="ru-RU" dirty="0"/>
+              <a:t>Преобразование набросков в фотореалистичные изображения.</a:t>
+            </a:r>
+          </a:p>
+          <a:p>
+            <a:r>
+              <a:rPr lang="ru-RU" dirty="0"/>
+              <a:t>Создание повторяющегося контента.</a:t>
+            </a:r>
+          </a:p>
+          <a:p>
+            <a:r>
+              <a:rPr lang="ru-RU" dirty="0"/>
+              <a:t>Автоматическое редактирование</a:t>
+            </a:r>
+            <a:r>
+              <a:rPr lang="ru-RU" dirty="0" smtClean="0"/>
+              <a:t>.</a:t>
+            </a:r>
+            <a:endParaRPr lang="ru-RU" dirty="0"/>
+          </a:p>
+        </p:txBody>
+      </p:sp>
+    </p:spTree>
+    <p:extLst>
+      <p:ext uri="{BB962C8B-B14F-4D97-AF65-F5344CB8AC3E}">
+        <p14:creationId xmlns:p14="http://schemas.microsoft.com/office/powerpoint/2010/main" val="2839899494"/>
       </p:ext>
     </p:extLst>
   </p:cSld>
@@ -27511,6 +28068,276 @@
     <p:extLst>
       <p:ext uri="{BB962C8B-B14F-4D97-AF65-F5344CB8AC3E}">
         <p14:creationId xmlns:p14="http://schemas.microsoft.com/office/powerpoint/2010/main" val="3001746833"/>
+      </p:ext>
+    </p:extLst>
+  </p:cSld>
+  <p:clrMapOvr>
+    <a:masterClrMapping/>
+  </p:clrMapOvr>
+  <p:timing>
+    <p:tnLst>
+      <p:par>
+        <p:cTn id="1" dur="indefinite" restart="never" nodeType="tmRoot"/>
+      </p:par>
+    </p:tnLst>
+  </p:timing>
+</p:sld>
+</file>
+
+<file path=ppt/slides/slide50.xml><?xml version="1.0" encoding="utf-8"?>
+<p:sld xmlns:a="http://schemas.openxmlformats.org/drawingml/2006/main" xmlns:r="http://schemas.openxmlformats.org/officeDocument/2006/relationships" xmlns:p="http://schemas.openxmlformats.org/presentationml/2006/main">
+  <p:cSld>
+    <p:spTree>
+      <p:nvGrpSpPr>
+        <p:cNvPr id="1" name=""/>
+        <p:cNvGrpSpPr/>
+        <p:nvPr/>
+      </p:nvGrpSpPr>
+      <p:grpSpPr>
+        <a:xfrm>
+          <a:off x="0" y="0"/>
+          <a:ext cx="0" cy="0"/>
+          <a:chOff x="0" y="0"/>
+          <a:chExt cx="0" cy="0"/>
+        </a:xfrm>
+      </p:grpSpPr>
+      <p:sp>
+        <p:nvSpPr>
+          <p:cNvPr id="2" name="Заголовок 1"/>
+          <p:cNvSpPr>
+            <a:spLocks noGrp="1"/>
+          </p:cNvSpPr>
+          <p:nvPr>
+            <p:ph type="title"/>
+          </p:nvPr>
+        </p:nvSpPr>
+        <p:spPr/>
+        <p:txBody>
+          <a:bodyPr/>
+          <a:lstStyle/>
+          <a:p>
+            <a:r>
+              <a:rPr lang="ru-RU" dirty="0" smtClean="0"/>
+              <a:t>Контрольные вопросы</a:t>
+            </a:r>
+            <a:endParaRPr lang="ru-RU" dirty="0"/>
+          </a:p>
+        </p:txBody>
+      </p:sp>
+      <p:sp>
+        <p:nvSpPr>
+          <p:cNvPr id="3" name="Объект 2"/>
+          <p:cNvSpPr>
+            <a:spLocks noGrp="1"/>
+          </p:cNvSpPr>
+          <p:nvPr>
+            <p:ph idx="1"/>
+          </p:nvPr>
+        </p:nvSpPr>
+        <p:spPr/>
+        <p:txBody>
+          <a:bodyPr>
+            <a:normAutofit/>
+          </a:bodyPr>
+          <a:lstStyle/>
+          <a:p>
+            <a:pPr marL="0" lvl="0" indent="0">
+              <a:buNone/>
+            </a:pPr>
+            <a:r>
+              <a:rPr lang="ru-RU" dirty="0"/>
+              <a:t>В каком формате подаются данные на вход </a:t>
+            </a:r>
+            <a:r>
+              <a:rPr lang="ru-RU" dirty="0" err="1"/>
+              <a:t>свёрточной</a:t>
+            </a:r>
+            <a:r>
+              <a:rPr lang="ru-RU" dirty="0"/>
+              <a:t> сети</a:t>
+            </a:r>
+            <a:r>
+              <a:rPr lang="ru-RU" dirty="0" smtClean="0"/>
+              <a:t>?</a:t>
+            </a:r>
+            <a:endParaRPr lang="en-US" dirty="0" smtClean="0"/>
+          </a:p>
+          <a:p>
+            <a:pPr marL="0" lvl="0" indent="0">
+              <a:buNone/>
+            </a:pPr>
+            <a:endParaRPr lang="ru-RU" dirty="0"/>
+          </a:p>
+          <a:p>
+            <a:r>
+              <a:rPr lang="ru-RU" dirty="0"/>
+              <a:t>В виде двумерной матрицы.</a:t>
+            </a:r>
+          </a:p>
+          <a:p>
+            <a:r>
+              <a:rPr lang="ru-RU" dirty="0"/>
+              <a:t>В виде нескольких двумерных матриц одного размера.</a:t>
+            </a:r>
+          </a:p>
+          <a:p>
+            <a:r>
+              <a:rPr lang="ru-RU" dirty="0"/>
+              <a:t>В виде нескольких двумерных матриц разного размера.</a:t>
+            </a:r>
+          </a:p>
+          <a:p>
+            <a:r>
+              <a:rPr lang="ru-RU" dirty="0"/>
+              <a:t>В виде одномерного вектора</a:t>
+            </a:r>
+            <a:r>
+              <a:rPr lang="ru-RU" dirty="0" smtClean="0"/>
+              <a:t>.</a:t>
+            </a:r>
+            <a:endParaRPr lang="ru-RU" dirty="0"/>
+          </a:p>
+        </p:txBody>
+      </p:sp>
+    </p:spTree>
+    <p:extLst>
+      <p:ext uri="{BB962C8B-B14F-4D97-AF65-F5344CB8AC3E}">
+        <p14:creationId xmlns:p14="http://schemas.microsoft.com/office/powerpoint/2010/main" val="2339549610"/>
+      </p:ext>
+    </p:extLst>
+  </p:cSld>
+  <p:clrMapOvr>
+    <a:masterClrMapping/>
+  </p:clrMapOvr>
+  <p:timing>
+    <p:tnLst>
+      <p:par>
+        <p:cTn id="1" dur="indefinite" restart="never" nodeType="tmRoot"/>
+      </p:par>
+    </p:tnLst>
+  </p:timing>
+</p:sld>
+</file>
+
+<file path=ppt/slides/slide51.xml><?xml version="1.0" encoding="utf-8"?>
+<p:sld xmlns:a="http://schemas.openxmlformats.org/drawingml/2006/main" xmlns:r="http://schemas.openxmlformats.org/officeDocument/2006/relationships" xmlns:p="http://schemas.openxmlformats.org/presentationml/2006/main">
+  <p:cSld>
+    <p:spTree>
+      <p:nvGrpSpPr>
+        <p:cNvPr id="1" name=""/>
+        <p:cNvGrpSpPr/>
+        <p:nvPr/>
+      </p:nvGrpSpPr>
+      <p:grpSpPr>
+        <a:xfrm>
+          <a:off x="0" y="0"/>
+          <a:ext cx="0" cy="0"/>
+          <a:chOff x="0" y="0"/>
+          <a:chExt cx="0" cy="0"/>
+        </a:xfrm>
+      </p:grpSpPr>
+      <p:sp>
+        <p:nvSpPr>
+          <p:cNvPr id="2" name="Заголовок 1"/>
+          <p:cNvSpPr>
+            <a:spLocks noGrp="1"/>
+          </p:cNvSpPr>
+          <p:nvPr>
+            <p:ph type="title"/>
+          </p:nvPr>
+        </p:nvSpPr>
+        <p:spPr/>
+        <p:txBody>
+          <a:bodyPr/>
+          <a:lstStyle/>
+          <a:p>
+            <a:r>
+              <a:rPr lang="ru-RU" dirty="0" smtClean="0"/>
+              <a:t>Контрольные вопросы</a:t>
+            </a:r>
+            <a:endParaRPr lang="ru-RU" dirty="0"/>
+          </a:p>
+        </p:txBody>
+      </p:sp>
+      <p:sp>
+        <p:nvSpPr>
+          <p:cNvPr id="3" name="Объект 2"/>
+          <p:cNvSpPr>
+            <a:spLocks noGrp="1"/>
+          </p:cNvSpPr>
+          <p:nvPr>
+            <p:ph idx="1"/>
+          </p:nvPr>
+        </p:nvSpPr>
+        <p:spPr/>
+        <p:txBody>
+          <a:bodyPr>
+            <a:normAutofit/>
+          </a:bodyPr>
+          <a:lstStyle/>
+          <a:p>
+            <a:pPr marL="0" lvl="0" indent="0">
+              <a:buNone/>
+            </a:pPr>
+            <a:r>
+              <a:rPr lang="ru-RU" dirty="0"/>
+              <a:t>В </a:t>
+            </a:r>
+            <a:r>
+              <a:rPr lang="ru-RU" dirty="0" err="1"/>
+              <a:t>генеративно</a:t>
+            </a:r>
+            <a:r>
+              <a:rPr lang="ru-RU" dirty="0"/>
+              <a:t>-состязательной сети что подаётся на вход генератора</a:t>
+            </a:r>
+            <a:r>
+              <a:rPr lang="ru-RU" dirty="0" smtClean="0"/>
+              <a:t>?</a:t>
+            </a:r>
+            <a:endParaRPr lang="en-US" smtClean="0"/>
+          </a:p>
+          <a:p>
+            <a:pPr marL="0" lvl="0" indent="0">
+              <a:buNone/>
+            </a:pPr>
+            <a:endParaRPr lang="ru-RU" dirty="0"/>
+          </a:p>
+          <a:p>
+            <a:r>
+              <a:rPr lang="ru-RU" dirty="0"/>
+              <a:t>Обучающий набор образцов.</a:t>
+            </a:r>
+          </a:p>
+          <a:p>
+            <a:r>
+              <a:rPr lang="ru-RU" dirty="0"/>
+              <a:t>Случайные числа.</a:t>
+            </a:r>
+          </a:p>
+          <a:p>
+            <a:r>
+              <a:rPr lang="ru-RU" dirty="0"/>
+              <a:t>Результат работы дискриминатора.</a:t>
+            </a:r>
+          </a:p>
+          <a:p>
+            <a:r>
+              <a:rPr lang="ru-RU" dirty="0"/>
+              <a:t>Результат работы самого генератора</a:t>
+            </a:r>
+            <a:r>
+              <a:rPr lang="ru-RU" dirty="0" smtClean="0"/>
+              <a:t>.</a:t>
+            </a:r>
+            <a:endParaRPr lang="ru-RU" dirty="0"/>
+          </a:p>
+        </p:txBody>
+      </p:sp>
+    </p:spTree>
+    <p:extLst>
+      <p:ext uri="{BB962C8B-B14F-4D97-AF65-F5344CB8AC3E}">
+        <p14:creationId xmlns:p14="http://schemas.microsoft.com/office/powerpoint/2010/main" val="1456892916"/>
       </p:ext>
     </p:extLst>
   </p:cSld>
